--- a/docs/simpleitkNotebookDevelopmentTesting.pptx
+++ b/docs/simpleitkNotebookDevelopmentTesting.pptx
@@ -5,10 +5,10 @@
     <p:sldMasterId id="2147483708" r:id="rId1"/>
   </p:sldMasterIdLst>
   <p:notesMasterIdLst>
-    <p:notesMasterId r:id="rId8"/>
+    <p:notesMasterId r:id="rId9"/>
   </p:notesMasterIdLst>
   <p:handoutMasterIdLst>
-    <p:handoutMasterId r:id="rId9"/>
+    <p:handoutMasterId r:id="rId10"/>
   </p:handoutMasterIdLst>
   <p:sldIdLst>
     <p:sldId id="484" r:id="rId2"/>
@@ -16,7 +16,8 @@
     <p:sldId id="487" r:id="rId4"/>
     <p:sldId id="488" r:id="rId5"/>
     <p:sldId id="490" r:id="rId6"/>
-    <p:sldId id="486" r:id="rId7"/>
+    <p:sldId id="491" r:id="rId7"/>
+    <p:sldId id="486" r:id="rId8"/>
   </p:sldIdLst>
   <p:sldSz cx="9144000" cy="6858000" type="screen4x3"/>
   <p:notesSz cx="6858000" cy="9144000"/>
@@ -259,7 +260,7 @@
               <a:pPr>
                 <a:defRPr/>
               </a:pPr>
-              <a:t>12/21/17</a:t>
+              <a:t>1/10/18</a:t>
             </a:fld>
             <a:endParaRPr lang="en-US"/>
           </a:p>
@@ -462,7 +463,7 @@
               <a:pPr>
                 <a:defRPr/>
               </a:pPr>
-              <a:t>12/21/17</a:t>
+              <a:t>1/10/18</a:t>
             </a:fld>
             <a:endParaRPr lang="en-US"/>
           </a:p>
@@ -979,7 +980,7 @@
               <a:pPr>
                 <a:defRPr/>
               </a:pPr>
-              <a:t>12/21/17</a:t>
+              <a:t>1/10/18</a:t>
             </a:fld>
             <a:endParaRPr lang="en-US"/>
           </a:p>
@@ -1176,7 +1177,7 @@
               <a:pPr>
                 <a:defRPr/>
               </a:pPr>
-              <a:t>12/21/17</a:t>
+              <a:t>1/10/18</a:t>
             </a:fld>
             <a:endParaRPr lang="en-US"/>
           </a:p>
@@ -1383,7 +1384,7 @@
               <a:pPr>
                 <a:defRPr/>
               </a:pPr>
-              <a:t>12/21/17</a:t>
+              <a:t>1/10/18</a:t>
             </a:fld>
             <a:endParaRPr lang="en-US"/>
           </a:p>
@@ -1649,7 +1650,7 @@
               <a:pPr>
                 <a:defRPr/>
               </a:pPr>
-              <a:t>12/21/17</a:t>
+              <a:t>1/10/18</a:t>
             </a:fld>
             <a:endParaRPr lang="en-US"/>
           </a:p>
@@ -1922,7 +1923,7 @@
               <a:pPr>
                 <a:defRPr/>
               </a:pPr>
-              <a:t>12/21/17</a:t>
+              <a:t>1/10/18</a:t>
             </a:fld>
             <a:endParaRPr lang="en-US"/>
           </a:p>
@@ -2306,7 +2307,7 @@
               <a:pPr>
                 <a:defRPr/>
               </a:pPr>
-              <a:t>12/21/17</a:t>
+              <a:t>1/10/18</a:t>
             </a:fld>
             <a:endParaRPr lang="en-US"/>
           </a:p>
@@ -2824,7 +2825,7 @@
               <a:pPr>
                 <a:defRPr/>
               </a:pPr>
-              <a:t>12/21/17</a:t>
+              <a:t>1/10/18</a:t>
             </a:fld>
             <a:endParaRPr lang="en-US"/>
           </a:p>
@@ -3038,7 +3039,7 @@
               <a:pPr>
                 <a:defRPr/>
               </a:pPr>
-              <a:t>12/21/17</a:t>
+              <a:t>1/10/18</a:t>
             </a:fld>
             <a:endParaRPr lang="en-US"/>
           </a:p>
@@ -3160,7 +3161,7 @@
               <a:pPr>
                 <a:defRPr/>
               </a:pPr>
-              <a:t>12/21/17</a:t>
+              <a:t>1/10/18</a:t>
             </a:fld>
             <a:endParaRPr lang="en-US"/>
           </a:p>
@@ -3464,7 +3465,7 @@
               <a:pPr>
                 <a:defRPr/>
               </a:pPr>
-              <a:t>12/21/17</a:t>
+              <a:t>1/10/18</a:t>
             </a:fld>
             <a:endParaRPr lang="en-US"/>
           </a:p>
@@ -3747,7 +3748,7 @@
               <a:pPr>
                 <a:defRPr/>
               </a:pPr>
-              <a:t>12/21/17</a:t>
+              <a:t>1/10/18</a:t>
             </a:fld>
             <a:endParaRPr lang="en-US"/>
           </a:p>
@@ -4063,7 +4064,7 @@
               <a:pPr>
                 <a:defRPr/>
               </a:pPr>
-              <a:t>12/21/17</a:t>
+              <a:t>1/10/18</a:t>
             </a:fld>
             <a:endParaRPr lang="en-US"/>
           </a:p>
@@ -6077,29 +6078,42 @@
               <a:t>	</a:t>
             </a:r>
             <a:r>
-              <a:rPr lang="en-US" sz="2000" dirty="0" err="1" smtClean="0"/>
+              <a:rPr lang="en-US" sz="2000" dirty="0" err="1" smtClean="0">
+                <a:hlinkClick r:id="rId2"/>
+              </a:rPr>
               <a:t>github.com</a:t>
             </a:r>
             <a:r>
-              <a:rPr lang="en-US" sz="2000" dirty="0" smtClean="0"/>
+              <a:rPr lang="en-US" sz="2000" dirty="0" smtClean="0">
+                <a:hlinkClick r:id="rId2"/>
+              </a:rPr>
               <a:t>/</a:t>
             </a:r>
             <a:r>
-              <a:rPr lang="en-US" sz="2000" dirty="0" err="1" smtClean="0"/>
+              <a:rPr lang="en-US" sz="2000" dirty="0" err="1" smtClean="0">
+                <a:hlinkClick r:id="rId2"/>
+              </a:rPr>
               <a:t>InsightSoftwareConsortium</a:t>
             </a:r>
             <a:r>
-              <a:rPr lang="en-US" sz="2000" dirty="0" smtClean="0"/>
+              <a:rPr lang="en-US" sz="2000" dirty="0" smtClean="0">
+                <a:hlinkClick r:id="rId2"/>
+              </a:rPr>
               <a:t>/</a:t>
             </a:r>
             <a:r>
-              <a:rPr lang="en-US" sz="2000" dirty="0" err="1" smtClean="0"/>
+              <a:rPr lang="en-US" sz="2000" dirty="0" err="1" smtClean="0">
+                <a:hlinkClick r:id="rId2"/>
+              </a:rPr>
               <a:t>SimpleITK</a:t>
             </a:r>
             <a:r>
-              <a:rPr lang="en-US" sz="2000" dirty="0" smtClean="0"/>
+              <a:rPr lang="en-US" sz="2000" dirty="0" smtClean="0">
+                <a:hlinkClick r:id="rId2"/>
+              </a:rPr>
               <a:t>-Notebooks</a:t>
             </a:r>
+            <a:endParaRPr lang="en-US" sz="2000" dirty="0" smtClean="0"/>
           </a:p>
           <a:p>
             <a:pPr marL="457200" lvl="1" indent="0">
@@ -6865,6 +6879,258 @@
 </file>
 
 <file path=ppt/slides/slide6.xml><?xml version="1.0" encoding="utf-8"?>
+<p:sld xmlns:a="http://schemas.openxmlformats.org/drawingml/2006/main" xmlns:r="http://schemas.openxmlformats.org/officeDocument/2006/relationships" xmlns:p="http://schemas.openxmlformats.org/presentationml/2006/main">
+  <p:cSld>
+    <p:spTree>
+      <p:nvGrpSpPr>
+        <p:cNvPr id="1" name=""/>
+        <p:cNvGrpSpPr/>
+        <p:nvPr/>
+      </p:nvGrpSpPr>
+      <p:grpSpPr>
+        <a:xfrm>
+          <a:off x="0" y="0"/>
+          <a:ext cx="0" cy="0"/>
+          <a:chOff x="0" y="0"/>
+          <a:chExt cx="0" cy="0"/>
+        </a:xfrm>
+      </p:grpSpPr>
+      <p:sp>
+        <p:nvSpPr>
+          <p:cNvPr id="2" name="Title 1"/>
+          <p:cNvSpPr>
+            <a:spLocks noGrp="1"/>
+          </p:cNvSpPr>
+          <p:nvPr>
+            <p:ph type="title"/>
+          </p:nvPr>
+        </p:nvSpPr>
+        <p:spPr/>
+        <p:txBody>
+          <a:bodyPr/>
+          <a:lstStyle/>
+          <a:p>
+            <a:r>
+              <a:rPr lang="en-US" dirty="0" smtClean="0"/>
+              <a:t>Join the Community</a:t>
+            </a:r>
+            <a:endParaRPr lang="en-US" dirty="0"/>
+          </a:p>
+        </p:txBody>
+      </p:sp>
+      <p:sp>
+        <p:nvSpPr>
+          <p:cNvPr id="3" name="Content Placeholder 2"/>
+          <p:cNvSpPr>
+            <a:spLocks noGrp="1"/>
+          </p:cNvSpPr>
+          <p:nvPr>
+            <p:ph idx="1"/>
+          </p:nvPr>
+        </p:nvSpPr>
+        <p:spPr/>
+        <p:txBody>
+          <a:bodyPr/>
+          <a:lstStyle/>
+          <a:p>
+            <a:pPr marL="0" marR="0" lvl="0" indent="0" defTabSz="914400" eaLnBrk="1" fontAlgn="auto" latinLnBrk="0" hangingPunct="1">
+              <a:lnSpc>
+                <a:spcPct val="100000"/>
+              </a:lnSpc>
+              <a:spcBef>
+                <a:spcPts val="0"/>
+              </a:spcBef>
+              <a:spcAft>
+                <a:spcPts val="0"/>
+              </a:spcAft>
+              <a:buClrTx/>
+              <a:buSzTx/>
+              <a:buFontTx/>
+              <a:buNone/>
+              <a:tabLst/>
+              <a:defRPr/>
+            </a:pPr>
+            <a:r>
+              <a:rPr lang="en-US" sz="2400" dirty="0" smtClean="0"/>
+              <a:t>We welcome questions/requests/contributions from the community:</a:t>
+            </a:r>
+          </a:p>
+          <a:p>
+            <a:pPr marL="857250" lvl="1" indent="-457200" eaLnBrk="1" fontAlgn="auto" hangingPunct="1">
+              <a:spcBef>
+                <a:spcPts val="0"/>
+              </a:spcBef>
+              <a:spcAft>
+                <a:spcPts val="0"/>
+              </a:spcAft>
+              <a:buFont typeface="+mj-lt"/>
+              <a:buAutoNum type="arabicPeriod"/>
+            </a:pPr>
+            <a:r>
+              <a:rPr lang="en-US" sz="2000" dirty="0" smtClean="0"/>
+              <a:t>Ask questions (</a:t>
+            </a:r>
+            <a:r>
+              <a:rPr lang="en-US" sz="2000" dirty="0" err="1" smtClean="0">
+                <a:hlinkClick r:id="rId2"/>
+              </a:rPr>
+              <a:t>itk</a:t>
+            </a:r>
+            <a:r>
+              <a:rPr lang="en-US" sz="2000" dirty="0" smtClean="0">
+                <a:hlinkClick r:id="rId2"/>
+              </a:rPr>
+              <a:t> discourse</a:t>
+            </a:r>
+            <a:r>
+              <a:rPr lang="en-US" sz="2000" dirty="0" smtClean="0"/>
+              <a:t>)</a:t>
+            </a:r>
+          </a:p>
+          <a:p>
+            <a:pPr marL="857250" lvl="1" indent="-457200" eaLnBrk="1" fontAlgn="auto" hangingPunct="1">
+              <a:spcBef>
+                <a:spcPts val="0"/>
+              </a:spcBef>
+              <a:spcAft>
+                <a:spcPts val="0"/>
+              </a:spcAft>
+              <a:buFont typeface="+mj-lt"/>
+              <a:buAutoNum type="arabicPeriod"/>
+            </a:pPr>
+            <a:r>
+              <a:rPr lang="en-US" sz="2000" dirty="0" smtClean="0"/>
+              <a:t>Request features / examples.</a:t>
+            </a:r>
+          </a:p>
+          <a:p>
+            <a:pPr marL="857250" lvl="1" indent="-457200" eaLnBrk="1" fontAlgn="auto" hangingPunct="1">
+              <a:spcBef>
+                <a:spcPts val="0"/>
+              </a:spcBef>
+              <a:spcAft>
+                <a:spcPts val="0"/>
+              </a:spcAft>
+              <a:buFont typeface="+mj-lt"/>
+              <a:buAutoNum type="arabicPeriod"/>
+            </a:pPr>
+            <a:r>
+              <a:rPr lang="en-US" sz="2000" dirty="0" smtClean="0"/>
+              <a:t>Report bugs.</a:t>
+            </a:r>
+          </a:p>
+          <a:p>
+            <a:pPr marL="857250" lvl="1" indent="-457200" eaLnBrk="1" fontAlgn="auto" hangingPunct="1">
+              <a:spcBef>
+                <a:spcPts val="0"/>
+              </a:spcBef>
+              <a:spcAft>
+                <a:spcPts val="0"/>
+              </a:spcAft>
+              <a:buFont typeface="+mj-lt"/>
+              <a:buAutoNum type="arabicPeriod"/>
+            </a:pPr>
+            <a:r>
+              <a:rPr lang="en-US" sz="2000" dirty="0" smtClean="0"/>
+              <a:t>Contribute code or new notebooks.</a:t>
+            </a:r>
+          </a:p>
+          <a:p>
+            <a:pPr marL="857250" lvl="1" indent="-457200" eaLnBrk="1" fontAlgn="auto" hangingPunct="1">
+              <a:spcBef>
+                <a:spcPts val="0"/>
+              </a:spcBef>
+              <a:spcAft>
+                <a:spcPts val="0"/>
+              </a:spcAft>
+              <a:buFont typeface="+mj-lt"/>
+              <a:buAutoNum type="arabicPeriod"/>
+            </a:pPr>
+            <a:endParaRPr lang="en-US" sz="2000" dirty="0" smtClean="0"/>
+          </a:p>
+          <a:p>
+            <a:pPr marL="0" indent="0" algn="ctr" eaLnBrk="1" fontAlgn="auto" hangingPunct="1">
+              <a:spcBef>
+                <a:spcPts val="0"/>
+              </a:spcBef>
+              <a:spcAft>
+                <a:spcPts val="0"/>
+              </a:spcAft>
+              <a:buNone/>
+            </a:pPr>
+            <a:r>
+              <a:rPr lang="en-US" sz="2000" dirty="0" smtClean="0">
+                <a:hlinkClick r:id="rId3"/>
+              </a:rPr>
+              <a:t>github.com/SimpleITK/SimpleITK</a:t>
+            </a:r>
+            <a:endParaRPr lang="en-US" sz="2000" dirty="0"/>
+          </a:p>
+          <a:p>
+            <a:pPr marL="0" indent="0" algn="ctr" eaLnBrk="1" fontAlgn="auto" hangingPunct="1">
+              <a:spcBef>
+                <a:spcPts val="0"/>
+              </a:spcBef>
+              <a:spcAft>
+                <a:spcPts val="0"/>
+              </a:spcAft>
+              <a:buNone/>
+            </a:pPr>
+            <a:r>
+              <a:rPr lang="en-US" sz="2000" dirty="0" smtClean="0"/>
+              <a:t>and</a:t>
+            </a:r>
+            <a:endParaRPr lang="en-US" sz="2000" dirty="0" smtClean="0">
+              <a:hlinkClick r:id="rId4"/>
+            </a:endParaRPr>
+          </a:p>
+          <a:p>
+            <a:pPr marL="0" indent="0" algn="ctr" eaLnBrk="1" fontAlgn="auto" hangingPunct="1">
+              <a:spcBef>
+                <a:spcPts val="0"/>
+              </a:spcBef>
+              <a:spcAft>
+                <a:spcPts val="0"/>
+              </a:spcAft>
+              <a:buNone/>
+            </a:pPr>
+            <a:r>
+              <a:rPr lang="en-US" sz="2000" dirty="0" smtClean="0">
+                <a:hlinkClick r:id="rId4"/>
+              </a:rPr>
+              <a:t>github.com/InsightSoftwareConsortium/SimpleITK-Notebooks</a:t>
+            </a:r>
+            <a:endParaRPr lang="en-US" sz="2000" dirty="0"/>
+          </a:p>
+          <a:p>
+            <a:pPr marL="857250" lvl="1" indent="-457200" eaLnBrk="1" fontAlgn="auto" hangingPunct="1">
+              <a:spcBef>
+                <a:spcPts val="0"/>
+              </a:spcBef>
+              <a:spcAft>
+                <a:spcPts val="0"/>
+              </a:spcAft>
+              <a:buFont typeface="+mj-lt"/>
+              <a:buAutoNum type="arabicPeriod"/>
+            </a:pPr>
+            <a:endParaRPr lang="en-US" sz="2000" dirty="0"/>
+          </a:p>
+        </p:txBody>
+      </p:sp>
+    </p:spTree>
+    <p:extLst>
+      <p:ext uri="{BB962C8B-B14F-4D97-AF65-F5344CB8AC3E}">
+        <p14:creationId xmlns:p14="http://schemas.microsoft.com/office/powerpoint/2010/main" val="42524617"/>
+      </p:ext>
+    </p:extLst>
+  </p:cSld>
+  <p:clrMapOvr>
+    <a:masterClrMapping/>
+  </p:clrMapOvr>
+</p:sld>
+</file>
+
+<file path=ppt/slides/slide7.xml><?xml version="1.0" encoding="utf-8"?>
 <p:sld xmlns:a="http://schemas.openxmlformats.org/drawingml/2006/main" xmlns:r="http://schemas.openxmlformats.org/officeDocument/2006/relationships" xmlns:p="http://schemas.openxmlformats.org/presentationml/2006/main">
   <p:cSld>
     <p:spTree>
